--- a/PROGETTO PHP Wiki.pptx
+++ b/PROGETTO PHP Wiki.pptx
@@ -33707,16 +33707,15 @@
             <p:ph sz="half" idx="1"/>
           </p:nvPr>
         </p:nvPicPr>
-        <p:blipFill>
+        <p:blipFill rotWithShape="1">
           <a:blip r:embed="rId2"/>
-          <a:stretch>
-            <a:fillRect/>
-          </a:stretch>
+          <a:srcRect r="52903"/>
+          <a:stretch/>
         </p:blipFill>
         <p:spPr>
           <a:xfrm>
-            <a:off x="663780" y="2011680"/>
-            <a:ext cx="3756193" cy="2953899"/>
+            <a:off x="835153" y="2011680"/>
+            <a:ext cx="2087768" cy="3659278"/>
           </a:xfrm>
         </p:spPr>
       </p:pic>
@@ -33736,9 +33735,14 @@
             <p:ph sz="half" idx="2"/>
           </p:nvPr>
         </p:nvSpPr>
-        <p:spPr/>
+        <p:spPr>
+          <a:xfrm>
+            <a:off x="2922921" y="2011680"/>
+            <a:ext cx="4937760" cy="3659278"/>
+          </a:xfrm>
+        </p:spPr>
         <p:txBody>
-          <a:bodyPr>
+          <a:bodyPr anchor="ctr">
             <a:normAutofit fontScale="55000" lnSpcReduction="20000"/>
           </a:bodyPr>
           <a:lstStyle/>
@@ -33815,67 +33819,6 @@
             <a:r>
               <a:rPr lang="it-IT" dirty="0"/>
               <a:t>Contiene tutte le pagine che fanno funzionare le funzioni della wiki:</a:t>
-            </a:r>
-          </a:p>
-          <a:p>
-            <a:endParaRPr lang="it-IT" dirty="0"/>
-          </a:p>
-        </p:txBody>
-      </p:sp>
-      <p:sp>
-        <p:nvSpPr>
-          <p:cNvPr id="5" name="Segnaposto data 4">
-            <a:extLst>
-              <a:ext uri="{FF2B5EF4-FFF2-40B4-BE49-F238E27FC236}">
-                <a16:creationId xmlns:a16="http://schemas.microsoft.com/office/drawing/2014/main" id="{DF4B27A0-B031-4EFE-BCC6-E9E91FBF1F0B}"/>
-              </a:ext>
-            </a:extLst>
-          </p:cNvPr>
-          <p:cNvSpPr>
-            <a:spLocks noGrp="1"/>
-          </p:cNvSpPr>
-          <p:nvPr>
-            <p:ph type="dt" sz="half" idx="10"/>
-          </p:nvPr>
-        </p:nvSpPr>
-        <p:spPr/>
-        <p:txBody>
-          <a:bodyPr/>
-          <a:lstStyle/>
-          <a:p>
-            <a:pPr rtl="0"/>
-            <a:r>
-              <a:rPr lang="it-IT" noProof="0"/>
-              <a:t>03/09/20XX</a:t>
-            </a:r>
-          </a:p>
-        </p:txBody>
-      </p:sp>
-      <p:sp>
-        <p:nvSpPr>
-          <p:cNvPr id="6" name="Segnaposto piè di pagina 5">
-            <a:extLst>
-              <a:ext uri="{FF2B5EF4-FFF2-40B4-BE49-F238E27FC236}">
-                <a16:creationId xmlns:a16="http://schemas.microsoft.com/office/drawing/2014/main" id="{BC5C7481-54A0-4BC2-8A89-2B33475509CC}"/>
-              </a:ext>
-            </a:extLst>
-          </p:cNvPr>
-          <p:cNvSpPr>
-            <a:spLocks noGrp="1"/>
-          </p:cNvSpPr>
-          <p:nvPr>
-            <p:ph type="ftr" sz="quarter" idx="11"/>
-          </p:nvPr>
-        </p:nvSpPr>
-        <p:spPr/>
-        <p:txBody>
-          <a:bodyPr/>
-          <a:lstStyle/>
-          <a:p>
-            <a:pPr rtl="0"/>
-            <a:r>
-              <a:rPr lang="it-IT" noProof="0"/>
-              <a:t>Titolo presentazione</a:t>
             </a:r>
           </a:p>
         </p:txBody>
@@ -35112,21 +35055,21 @@
 </file>
 
 <file path=customXml/item1.xml><?xml version="1.0" encoding="utf-8"?>
+<?mso-contentType ?>
+<FormTemplates xmlns="http://schemas.microsoft.com/sharepoint/v3/contenttype/forms">
+  <Display>DocumentLibraryForm</Display>
+  <Edit>DocumentLibraryForm</Edit>
+  <New>DocumentLibraryForm</New>
+</FormTemplates>
+</file>
+
+<file path=customXml/item2.xml><?xml version="1.0" encoding="utf-8"?>
 <p:properties xmlns:p="http://schemas.microsoft.com/office/2006/metadata/properties" xmlns:xsi="http://www.w3.org/2001/XMLSchema-instance" xmlns:pc="http://schemas.microsoft.com/office/infopath/2007/PartnerControls">
   <documentManagement>
     <Status xmlns="71af3243-3dd4-4a8d-8c0d-dd76da1f02a5">Not started</Status>
     <MediaServiceKeyPoints xmlns="71af3243-3dd4-4a8d-8c0d-dd76da1f02a5" xsi:nil="true"/>
   </documentManagement>
 </p:properties>
-</file>
-
-<file path=customXml/item2.xml><?xml version="1.0" encoding="utf-8"?>
-<?mso-contentType ?>
-<FormTemplates xmlns="http://schemas.microsoft.com/sharepoint/v3/contenttype/forms">
-  <Display>DocumentLibraryForm</Display>
-  <Edit>DocumentLibraryForm</Edit>
-  <New>DocumentLibraryForm</New>
-</FormTemplates>
 </file>
 
 <file path=customXml/item3.xml><?xml version="1.0" encoding="utf-8"?>
@@ -35351,19 +35294,19 @@
 </file>
 
 <file path=customXml/itemProps1.xml><?xml version="1.0" encoding="utf-8"?>
+<ds:datastoreItem xmlns:ds="http://schemas.openxmlformats.org/officeDocument/2006/customXml" ds:itemID="{C0DCE9DA-F7FD-45FA-83B7-D9813A44258A}">
+  <ds:schemaRefs>
+    <ds:schemaRef ds:uri="http://schemas.microsoft.com/sharepoint/v3/contenttype/forms"/>
+  </ds:schemaRefs>
+</ds:datastoreItem>
+</file>
+
+<file path=customXml/itemProps2.xml><?xml version="1.0" encoding="utf-8"?>
 <ds:datastoreItem xmlns:ds="http://schemas.openxmlformats.org/officeDocument/2006/customXml" ds:itemID="{9DFCC198-DBFA-46B2-A241-8E3888E63670}">
   <ds:schemaRefs>
     <ds:schemaRef ds:uri="http://schemas.microsoft.com/office/2006/metadata/properties"/>
     <ds:schemaRef ds:uri="http://schemas.microsoft.com/office/infopath/2007/PartnerControls"/>
     <ds:schemaRef ds:uri="71af3243-3dd4-4a8d-8c0d-dd76da1f02a5"/>
-  </ds:schemaRefs>
-</ds:datastoreItem>
-</file>
-
-<file path=customXml/itemProps2.xml><?xml version="1.0" encoding="utf-8"?>
-<ds:datastoreItem xmlns:ds="http://schemas.openxmlformats.org/officeDocument/2006/customXml" ds:itemID="{C0DCE9DA-F7FD-45FA-83B7-D9813A44258A}">
-  <ds:schemaRefs>
-    <ds:schemaRef ds:uri="http://schemas.microsoft.com/sharepoint/v3/contenttype/forms"/>
   </ds:schemaRefs>
 </ds:datastoreItem>
 </file>
